--- a/structure.pptx
+++ b/structure.pptx
@@ -6,6 +6,7 @@
   </p:sldMasterIdLst>
   <p:sldIdLst>
     <p:sldId id="256" r:id="rId2"/>
+    <p:sldId id="257" r:id="rId3"/>
   </p:sldIdLst>
   <p:sldSz cx="12192000" cy="6858000"/>
   <p:notesSz cx="6858000" cy="9144000"/>
@@ -4054,8 +4055,8 @@
         </p:nvSpPr>
         <p:spPr>
           <a:xfrm>
-            <a:off x="4956305" y="3988094"/>
-            <a:ext cx="353337" cy="634412"/>
+            <a:off x="4940901" y="2928472"/>
+            <a:ext cx="353337" cy="2230265"/>
           </a:xfrm>
           <a:prstGeom prst="rect">
             <a:avLst/>
@@ -4071,8 +4072,11 @@
           <a:lstStyle/>
           <a:p>
             <a:r>
-              <a:rPr lang="en-US" sz="1200" dirty="0"/>
-              <a:t>Pool 1/2</a:t>
+              <a:rPr lang="en-AU" sz="1200" b="0" dirty="0">
+                <a:effectLst/>
+                <a:latin typeface="Menlo" panose="020B0609030804020204" pitchFamily="49" charset="0"/>
+              </a:rPr>
+              <a:t>Global Average Pool</a:t>
             </a:r>
           </a:p>
         </p:txBody>
@@ -4186,6 +4190,867 @@
     <p:extLst>
       <p:ext uri="{BB962C8B-B14F-4D97-AF65-F5344CB8AC3E}">
         <p14:creationId xmlns:p14="http://schemas.microsoft.com/office/powerpoint/2010/main" val="531673647"/>
+      </p:ext>
+    </p:extLst>
+  </p:cSld>
+  <p:clrMapOvr>
+    <a:masterClrMapping/>
+  </p:clrMapOvr>
+</p:sld>
+</file>
+
+<file path=ppt/slides/slide2.xml><?xml version="1.0" encoding="utf-8"?>
+<p:sld xmlns:a="http://schemas.openxmlformats.org/drawingml/2006/main" xmlns:r="http://schemas.openxmlformats.org/officeDocument/2006/relationships" xmlns:p="http://schemas.openxmlformats.org/presentationml/2006/main">
+  <p:cSld>
+    <p:spTree>
+      <p:nvGrpSpPr>
+        <p:cNvPr id="1" name=""/>
+        <p:cNvGrpSpPr/>
+        <p:nvPr/>
+      </p:nvGrpSpPr>
+      <p:grpSpPr>
+        <a:xfrm>
+          <a:off x="0" y="0"/>
+          <a:ext cx="0" cy="0"/>
+          <a:chOff x="0" y="0"/>
+          <a:chExt cx="0" cy="0"/>
+        </a:xfrm>
+      </p:grpSpPr>
+      <p:pic>
+        <p:nvPicPr>
+          <p:cNvPr id="6" name="Picture 5">
+            <a:extLst>
+              <a:ext uri="{FF2B5EF4-FFF2-40B4-BE49-F238E27FC236}">
+                <a16:creationId xmlns:a16="http://schemas.microsoft.com/office/drawing/2014/main" id="{A95CD3F1-CEAE-AC62-19B9-3A9DCE46CAA8}"/>
+              </a:ext>
+            </a:extLst>
+          </p:cNvPr>
+          <p:cNvPicPr>
+            <a:picLocks noChangeAspect="1"/>
+          </p:cNvPicPr>
+          <p:nvPr/>
+        </p:nvPicPr>
+        <p:blipFill>
+          <a:blip r:embed="rId2"/>
+          <a:stretch>
+            <a:fillRect/>
+          </a:stretch>
+        </p:blipFill>
+        <p:spPr>
+          <a:xfrm>
+            <a:off x="231140" y="957580"/>
+            <a:ext cx="3225800" cy="4622800"/>
+          </a:xfrm>
+          <a:prstGeom prst="rect">
+            <a:avLst/>
+          </a:prstGeom>
+        </p:spPr>
+      </p:pic>
+      <p:sp>
+        <p:nvSpPr>
+          <p:cNvPr id="7" name="TextBox 6">
+            <a:extLst>
+              <a:ext uri="{FF2B5EF4-FFF2-40B4-BE49-F238E27FC236}">
+                <a16:creationId xmlns:a16="http://schemas.microsoft.com/office/drawing/2014/main" id="{DD947F18-9367-DA08-8F56-6FCFA9974FE0}"/>
+              </a:ext>
+            </a:extLst>
+          </p:cNvPr>
+          <p:cNvSpPr txBox="1"/>
+          <p:nvPr/>
+        </p:nvSpPr>
+        <p:spPr>
+          <a:xfrm>
+            <a:off x="4950765" y="5192559"/>
+            <a:ext cx="684103" cy="276999"/>
+          </a:xfrm>
+          <a:prstGeom prst="rect">
+            <a:avLst/>
+          </a:prstGeom>
+          <a:solidFill>
+            <a:schemeClr val="bg1"/>
+          </a:solidFill>
+        </p:spPr>
+        <p:txBody>
+          <a:bodyPr wrap="square" rtlCol="0">
+            <a:spAutoFit/>
+          </a:bodyPr>
+          <a:lstStyle/>
+          <a:p>
+            <a:r>
+              <a:rPr lang="en-US" sz="1200" dirty="0"/>
+              <a:t>Inputs</a:t>
+            </a:r>
+          </a:p>
+        </p:txBody>
+      </p:sp>
+      <p:sp>
+        <p:nvSpPr>
+          <p:cNvPr id="8" name="Rounded Rectangle 7">
+            <a:extLst>
+              <a:ext uri="{FF2B5EF4-FFF2-40B4-BE49-F238E27FC236}">
+                <a16:creationId xmlns:a16="http://schemas.microsoft.com/office/drawing/2014/main" id="{626C98B9-DD4B-7E2E-6C58-E0FD404A317A}"/>
+              </a:ext>
+            </a:extLst>
+          </p:cNvPr>
+          <p:cNvSpPr/>
+          <p:nvPr/>
+        </p:nvSpPr>
+        <p:spPr>
+          <a:xfrm rot="5400000">
+            <a:off x="4946378" y="2646845"/>
+            <a:ext cx="543207" cy="2528515"/>
+          </a:xfrm>
+          <a:prstGeom prst="roundRect">
+            <a:avLst/>
+          </a:prstGeom>
+          <a:solidFill>
+            <a:schemeClr val="accent2">
+              <a:lumMod val="40000"/>
+              <a:lumOff val="60000"/>
+              <a:alpha val="55000"/>
+            </a:schemeClr>
+          </a:solidFill>
+          <a:ln>
+            <a:solidFill>
+              <a:schemeClr val="accent2">
+                <a:lumMod val="40000"/>
+                <a:lumOff val="60000"/>
+                <a:alpha val="55000"/>
+              </a:schemeClr>
+            </a:solidFill>
+          </a:ln>
+        </p:spPr>
+        <p:style>
+          <a:lnRef idx="2">
+            <a:schemeClr val="accent6"/>
+          </a:lnRef>
+          <a:fillRef idx="1">
+            <a:schemeClr val="lt1"/>
+          </a:fillRef>
+          <a:effectRef idx="0">
+            <a:schemeClr val="accent6"/>
+          </a:effectRef>
+          <a:fontRef idx="minor">
+            <a:schemeClr val="dk1"/>
+          </a:fontRef>
+        </p:style>
+        <p:txBody>
+          <a:bodyPr vert="vert270" rtlCol="0" anchor="ctr"/>
+          <a:lstStyle/>
+          <a:p>
+            <a:pPr algn="ctr"/>
+            <a:r>
+              <a:rPr lang="en-US" sz="1200" dirty="0"/>
+              <a:t>Multi-Head</a:t>
+            </a:r>
+            <a:r>
+              <a:rPr lang="zh-CN" altLang="en-US" sz="1200" dirty="0"/>
+              <a:t> </a:t>
+            </a:r>
+            <a:r>
+              <a:rPr lang="en-US" sz="1200" dirty="0"/>
+              <a:t>Attention</a:t>
+            </a:r>
+          </a:p>
+          <a:p>
+            <a:pPr algn="ctr"/>
+            <a:r>
+              <a:rPr lang="en-US" altLang="zh-CN" sz="1000" dirty="0"/>
+              <a:t>12</a:t>
+            </a:r>
+            <a:r>
+              <a:rPr lang="zh-CN" altLang="en-US" sz="1000" dirty="0"/>
+              <a:t> </a:t>
+            </a:r>
+            <a:r>
+              <a:rPr lang="en-US" altLang="zh-CN" sz="1000" dirty="0"/>
+              <a:t>Heads, 64 dim</a:t>
+            </a:r>
+            <a:endParaRPr lang="en-US" sz="1000" dirty="0"/>
+          </a:p>
+        </p:txBody>
+      </p:sp>
+      <p:sp>
+        <p:nvSpPr>
+          <p:cNvPr id="10" name="Rounded Rectangle 9">
+            <a:extLst>
+              <a:ext uri="{FF2B5EF4-FFF2-40B4-BE49-F238E27FC236}">
+                <a16:creationId xmlns:a16="http://schemas.microsoft.com/office/drawing/2014/main" id="{DF603AFE-0939-F667-F304-582BA604D2DA}"/>
+              </a:ext>
+            </a:extLst>
+          </p:cNvPr>
+          <p:cNvSpPr/>
+          <p:nvPr/>
+        </p:nvSpPr>
+        <p:spPr>
+          <a:xfrm rot="5400000">
+            <a:off x="5100747" y="2496302"/>
+            <a:ext cx="234468" cy="1398367"/>
+          </a:xfrm>
+          <a:prstGeom prst="roundRect">
+            <a:avLst/>
+          </a:prstGeom>
+          <a:solidFill>
+            <a:schemeClr val="accent4">
+              <a:lumMod val="20000"/>
+              <a:lumOff val="80000"/>
+            </a:schemeClr>
+          </a:solidFill>
+          <a:ln>
+            <a:solidFill>
+              <a:schemeClr val="accent4">
+                <a:lumMod val="40000"/>
+                <a:lumOff val="60000"/>
+                <a:alpha val="59000"/>
+              </a:schemeClr>
+            </a:solidFill>
+          </a:ln>
+        </p:spPr>
+        <p:style>
+          <a:lnRef idx="2">
+            <a:schemeClr val="accent6"/>
+          </a:lnRef>
+          <a:fillRef idx="1">
+            <a:schemeClr val="lt1"/>
+          </a:fillRef>
+          <a:effectRef idx="0">
+            <a:schemeClr val="accent6"/>
+          </a:effectRef>
+          <a:fontRef idx="minor">
+            <a:schemeClr val="dk1"/>
+          </a:fontRef>
+        </p:style>
+        <p:txBody>
+          <a:bodyPr vert="vert270" rtlCol="0" anchor="ctr"/>
+          <a:lstStyle/>
+          <a:p>
+            <a:pPr algn="ctr"/>
+            <a:r>
+              <a:rPr lang="en-US" sz="1200" dirty="0"/>
+              <a:t>Layer Norm</a:t>
+            </a:r>
+          </a:p>
+        </p:txBody>
+      </p:sp>
+      <p:sp>
+        <p:nvSpPr>
+          <p:cNvPr id="11" name="Rounded Rectangle 10">
+            <a:extLst>
+              <a:ext uri="{FF2B5EF4-FFF2-40B4-BE49-F238E27FC236}">
+                <a16:creationId xmlns:a16="http://schemas.microsoft.com/office/drawing/2014/main" id="{AAEB1BA7-6333-26F0-520D-71A843B06A81}"/>
+              </a:ext>
+            </a:extLst>
+          </p:cNvPr>
+          <p:cNvSpPr/>
+          <p:nvPr/>
+        </p:nvSpPr>
+        <p:spPr>
+          <a:xfrm rot="5400000">
+            <a:off x="5008548" y="1357010"/>
+            <a:ext cx="418866" cy="2528515"/>
+          </a:xfrm>
+          <a:prstGeom prst="roundRect">
+            <a:avLst/>
+          </a:prstGeom>
+          <a:solidFill>
+            <a:schemeClr val="accent3">
+              <a:lumMod val="20000"/>
+              <a:lumOff val="80000"/>
+            </a:schemeClr>
+          </a:solidFill>
+          <a:ln>
+            <a:solidFill>
+              <a:schemeClr val="accent3">
+                <a:lumMod val="40000"/>
+                <a:lumOff val="60000"/>
+                <a:alpha val="33000"/>
+              </a:schemeClr>
+            </a:solidFill>
+          </a:ln>
+        </p:spPr>
+        <p:style>
+          <a:lnRef idx="2">
+            <a:schemeClr val="accent6"/>
+          </a:lnRef>
+          <a:fillRef idx="1">
+            <a:schemeClr val="lt1"/>
+          </a:fillRef>
+          <a:effectRef idx="0">
+            <a:schemeClr val="accent6"/>
+          </a:effectRef>
+          <a:fontRef idx="minor">
+            <a:schemeClr val="dk1"/>
+          </a:fontRef>
+        </p:style>
+        <p:txBody>
+          <a:bodyPr vert="vert270" rtlCol="0" anchor="ctr"/>
+          <a:lstStyle/>
+          <a:p>
+            <a:pPr algn="ctr"/>
+            <a:r>
+              <a:rPr lang="en-US" sz="1200" dirty="0"/>
+              <a:t>Feed Forward</a:t>
+            </a:r>
+          </a:p>
+          <a:p>
+            <a:pPr algn="ctr"/>
+            <a:r>
+              <a:rPr lang="en-US" sz="1000" dirty="0"/>
+              <a:t>Hidden dim = 4*input dim</a:t>
+            </a:r>
+          </a:p>
+        </p:txBody>
+      </p:sp>
+      <p:sp>
+        <p:nvSpPr>
+          <p:cNvPr id="34" name="Rounded Rectangle 33">
+            <a:extLst>
+              <a:ext uri="{FF2B5EF4-FFF2-40B4-BE49-F238E27FC236}">
+                <a16:creationId xmlns:a16="http://schemas.microsoft.com/office/drawing/2014/main" id="{78894C24-5071-2113-07BA-5E3D1E6219AF}"/>
+              </a:ext>
+            </a:extLst>
+          </p:cNvPr>
+          <p:cNvSpPr/>
+          <p:nvPr/>
+        </p:nvSpPr>
+        <p:spPr>
+          <a:xfrm rot="5400000">
+            <a:off x="5100747" y="3988449"/>
+            <a:ext cx="234468" cy="1398367"/>
+          </a:xfrm>
+          <a:prstGeom prst="roundRect">
+            <a:avLst/>
+          </a:prstGeom>
+          <a:solidFill>
+            <a:schemeClr val="accent4">
+              <a:lumMod val="20000"/>
+              <a:lumOff val="80000"/>
+            </a:schemeClr>
+          </a:solidFill>
+          <a:ln>
+            <a:solidFill>
+              <a:schemeClr val="accent4">
+                <a:lumMod val="40000"/>
+                <a:lumOff val="60000"/>
+                <a:alpha val="59000"/>
+              </a:schemeClr>
+            </a:solidFill>
+          </a:ln>
+        </p:spPr>
+        <p:style>
+          <a:lnRef idx="2">
+            <a:schemeClr val="accent6"/>
+          </a:lnRef>
+          <a:fillRef idx="1">
+            <a:schemeClr val="lt1"/>
+          </a:fillRef>
+          <a:effectRef idx="0">
+            <a:schemeClr val="accent6"/>
+          </a:effectRef>
+          <a:fontRef idx="minor">
+            <a:schemeClr val="dk1"/>
+          </a:fontRef>
+        </p:style>
+        <p:txBody>
+          <a:bodyPr vert="vert270" rtlCol="0" anchor="ctr"/>
+          <a:lstStyle/>
+          <a:p>
+            <a:pPr algn="ctr"/>
+            <a:r>
+              <a:rPr lang="en-US" sz="1200" dirty="0"/>
+              <a:t>Layer Norm</a:t>
+            </a:r>
+          </a:p>
+        </p:txBody>
+      </p:sp>
+      <p:cxnSp>
+        <p:nvCxnSpPr>
+          <p:cNvPr id="60" name="Straight Arrow Connector 59">
+            <a:extLst>
+              <a:ext uri="{FF2B5EF4-FFF2-40B4-BE49-F238E27FC236}">
+                <a16:creationId xmlns:a16="http://schemas.microsoft.com/office/drawing/2014/main" id="{06018BEC-48DA-0FED-102E-AF726C3F3583}"/>
+              </a:ext>
+            </a:extLst>
+          </p:cNvPr>
+          <p:cNvCxnSpPr>
+            <a:cxnSpLocks/>
+            <a:endCxn id="34" idx="3"/>
+          </p:cNvCxnSpPr>
+          <p:nvPr/>
+        </p:nvCxnSpPr>
+        <p:spPr>
+          <a:xfrm flipV="1">
+            <a:off x="5217981" y="4804867"/>
+            <a:ext cx="0" cy="387692"/>
+          </a:xfrm>
+          <a:prstGeom prst="straightConnector1">
+            <a:avLst/>
+          </a:prstGeom>
+          <a:ln>
+            <a:solidFill>
+              <a:schemeClr val="tx1"/>
+            </a:solidFill>
+            <a:tailEnd type="triangle"/>
+          </a:ln>
+        </p:spPr>
+        <p:style>
+          <a:lnRef idx="2">
+            <a:schemeClr val="accent1"/>
+          </a:lnRef>
+          <a:fillRef idx="0">
+            <a:schemeClr val="accent1"/>
+          </a:fillRef>
+          <a:effectRef idx="1">
+            <a:schemeClr val="accent1"/>
+          </a:effectRef>
+          <a:fontRef idx="minor">
+            <a:schemeClr val="tx1"/>
+          </a:fontRef>
+        </p:style>
+      </p:cxnSp>
+      <p:cxnSp>
+        <p:nvCxnSpPr>
+          <p:cNvPr id="62" name="Straight Arrow Connector 61">
+            <a:extLst>
+              <a:ext uri="{FF2B5EF4-FFF2-40B4-BE49-F238E27FC236}">
+                <a16:creationId xmlns:a16="http://schemas.microsoft.com/office/drawing/2014/main" id="{F818ACA1-2079-54B8-1128-15482E3E4034}"/>
+              </a:ext>
+            </a:extLst>
+          </p:cNvPr>
+          <p:cNvCxnSpPr>
+            <a:stCxn id="34" idx="1"/>
+            <a:endCxn id="8" idx="3"/>
+          </p:cNvCxnSpPr>
+          <p:nvPr/>
+        </p:nvCxnSpPr>
+        <p:spPr>
+          <a:xfrm flipV="1">
+            <a:off x="5217981" y="4182706"/>
+            <a:ext cx="0" cy="387693"/>
+          </a:xfrm>
+          <a:prstGeom prst="straightConnector1">
+            <a:avLst/>
+          </a:prstGeom>
+          <a:ln>
+            <a:solidFill>
+              <a:schemeClr val="tx1"/>
+            </a:solidFill>
+            <a:tailEnd type="triangle"/>
+          </a:ln>
+        </p:spPr>
+        <p:style>
+          <a:lnRef idx="2">
+            <a:schemeClr val="accent1"/>
+          </a:lnRef>
+          <a:fillRef idx="0">
+            <a:schemeClr val="accent1"/>
+          </a:fillRef>
+          <a:effectRef idx="1">
+            <a:schemeClr val="accent1"/>
+          </a:effectRef>
+          <a:fontRef idx="minor">
+            <a:schemeClr val="tx1"/>
+          </a:fontRef>
+        </p:style>
+      </p:cxnSp>
+      <p:sp>
+        <p:nvSpPr>
+          <p:cNvPr id="69" name="Right Bracket 68">
+            <a:extLst>
+              <a:ext uri="{FF2B5EF4-FFF2-40B4-BE49-F238E27FC236}">
+                <a16:creationId xmlns:a16="http://schemas.microsoft.com/office/drawing/2014/main" id="{C95FB0BD-D109-D13D-2160-C582473A2D55}"/>
+              </a:ext>
+            </a:extLst>
+          </p:cNvPr>
+          <p:cNvSpPr/>
+          <p:nvPr/>
+        </p:nvSpPr>
+        <p:spPr>
+          <a:xfrm rot="5400000">
+            <a:off x="5100746" y="3855772"/>
+            <a:ext cx="234470" cy="869986"/>
+          </a:xfrm>
+          <a:prstGeom prst="rightBracket">
+            <a:avLst/>
+          </a:prstGeom>
+          <a:ln>
+            <a:solidFill>
+              <a:schemeClr val="tx1"/>
+            </a:solidFill>
+            <a:headEnd type="triangle"/>
+            <a:tailEnd type="triangle"/>
+          </a:ln>
+        </p:spPr>
+        <p:style>
+          <a:lnRef idx="2">
+            <a:schemeClr val="accent1"/>
+          </a:lnRef>
+          <a:fillRef idx="0">
+            <a:schemeClr val="accent1"/>
+          </a:fillRef>
+          <a:effectRef idx="1">
+            <a:schemeClr val="accent1"/>
+          </a:effectRef>
+          <a:fontRef idx="minor">
+            <a:schemeClr val="tx1"/>
+          </a:fontRef>
+        </p:style>
+        <p:txBody>
+          <a:bodyPr rtlCol="0" anchor="ctr"/>
+          <a:lstStyle/>
+          <a:p>
+            <a:pPr algn="ctr"/>
+            <a:endParaRPr lang="en-US"/>
+          </a:p>
+        </p:txBody>
+      </p:sp>
+      <p:cxnSp>
+        <p:nvCxnSpPr>
+          <p:cNvPr id="71" name="Straight Arrow Connector 70">
+            <a:extLst>
+              <a:ext uri="{FF2B5EF4-FFF2-40B4-BE49-F238E27FC236}">
+                <a16:creationId xmlns:a16="http://schemas.microsoft.com/office/drawing/2014/main" id="{7576C8AA-4BC3-7BC0-279A-247D47B0DE06}"/>
+              </a:ext>
+            </a:extLst>
+          </p:cNvPr>
+          <p:cNvCxnSpPr>
+            <a:stCxn id="8" idx="1"/>
+            <a:endCxn id="10" idx="3"/>
+          </p:cNvCxnSpPr>
+          <p:nvPr/>
+        </p:nvCxnSpPr>
+        <p:spPr>
+          <a:xfrm flipV="1">
+            <a:off x="5217981" y="3312720"/>
+            <a:ext cx="0" cy="326779"/>
+          </a:xfrm>
+          <a:prstGeom prst="straightConnector1">
+            <a:avLst/>
+          </a:prstGeom>
+          <a:ln>
+            <a:solidFill>
+              <a:schemeClr val="tx1"/>
+            </a:solidFill>
+            <a:tailEnd type="triangle"/>
+          </a:ln>
+        </p:spPr>
+        <p:style>
+          <a:lnRef idx="2">
+            <a:schemeClr val="accent1"/>
+          </a:lnRef>
+          <a:fillRef idx="0">
+            <a:schemeClr val="accent1"/>
+          </a:fillRef>
+          <a:effectRef idx="1">
+            <a:schemeClr val="accent1"/>
+          </a:effectRef>
+          <a:fontRef idx="minor">
+            <a:schemeClr val="tx1"/>
+          </a:fontRef>
+        </p:style>
+      </p:cxnSp>
+      <p:cxnSp>
+        <p:nvCxnSpPr>
+          <p:cNvPr id="72" name="Straight Arrow Connector 71">
+            <a:extLst>
+              <a:ext uri="{FF2B5EF4-FFF2-40B4-BE49-F238E27FC236}">
+                <a16:creationId xmlns:a16="http://schemas.microsoft.com/office/drawing/2014/main" id="{2ECAEDE4-7E71-9B14-20C1-971EB187F2FB}"/>
+              </a:ext>
+            </a:extLst>
+          </p:cNvPr>
+          <p:cNvCxnSpPr>
+            <a:cxnSpLocks/>
+            <a:endCxn id="11" idx="3"/>
+          </p:cNvCxnSpPr>
+          <p:nvPr/>
+        </p:nvCxnSpPr>
+        <p:spPr>
+          <a:xfrm flipV="1">
+            <a:off x="5217981" y="2830701"/>
+            <a:ext cx="0" cy="247550"/>
+          </a:xfrm>
+          <a:prstGeom prst="straightConnector1">
+            <a:avLst/>
+          </a:prstGeom>
+          <a:ln>
+            <a:solidFill>
+              <a:schemeClr val="tx1"/>
+            </a:solidFill>
+            <a:tailEnd type="triangle"/>
+          </a:ln>
+        </p:spPr>
+        <p:style>
+          <a:lnRef idx="2">
+            <a:schemeClr val="accent1"/>
+          </a:lnRef>
+          <a:fillRef idx="0">
+            <a:schemeClr val="accent1"/>
+          </a:fillRef>
+          <a:effectRef idx="1">
+            <a:schemeClr val="accent1"/>
+          </a:effectRef>
+          <a:fontRef idx="minor">
+            <a:schemeClr val="tx1"/>
+          </a:fontRef>
+        </p:style>
+      </p:cxnSp>
+      <p:sp>
+        <p:nvSpPr>
+          <p:cNvPr id="74" name="Right Bracket 73">
+            <a:extLst>
+              <a:ext uri="{FF2B5EF4-FFF2-40B4-BE49-F238E27FC236}">
+                <a16:creationId xmlns:a16="http://schemas.microsoft.com/office/drawing/2014/main" id="{DF8F9DFB-DF1B-41E5-89B1-3E9D69F5A725}"/>
+              </a:ext>
+            </a:extLst>
+          </p:cNvPr>
+          <p:cNvSpPr/>
+          <p:nvPr/>
+        </p:nvSpPr>
+        <p:spPr>
+          <a:xfrm>
+            <a:off x="5217981" y="2189296"/>
+            <a:ext cx="1707920" cy="829975"/>
+          </a:xfrm>
+          <a:prstGeom prst="rightBracket">
+            <a:avLst/>
+          </a:prstGeom>
+          <a:ln>
+            <a:solidFill>
+              <a:schemeClr val="tx1"/>
+            </a:solidFill>
+          </a:ln>
+        </p:spPr>
+        <p:style>
+          <a:lnRef idx="2">
+            <a:schemeClr val="accent1"/>
+          </a:lnRef>
+          <a:fillRef idx="0">
+            <a:schemeClr val="accent1"/>
+          </a:fillRef>
+          <a:effectRef idx="1">
+            <a:schemeClr val="accent1"/>
+          </a:effectRef>
+          <a:fontRef idx="minor">
+            <a:schemeClr val="tx1"/>
+          </a:fontRef>
+        </p:style>
+        <p:txBody>
+          <a:bodyPr rtlCol="0" anchor="ctr"/>
+          <a:lstStyle/>
+          <a:p>
+            <a:pPr algn="ctr"/>
+            <a:endParaRPr lang="en-US"/>
+          </a:p>
+        </p:txBody>
+      </p:sp>
+      <p:sp>
+        <p:nvSpPr>
+          <p:cNvPr id="75" name="TextBox 74">
+            <a:extLst>
+              <a:ext uri="{FF2B5EF4-FFF2-40B4-BE49-F238E27FC236}">
+                <a16:creationId xmlns:a16="http://schemas.microsoft.com/office/drawing/2014/main" id="{C525B27F-D0CB-1FE7-87AD-9E261BD90567}"/>
+              </a:ext>
+            </a:extLst>
+          </p:cNvPr>
+          <p:cNvSpPr txBox="1"/>
+          <p:nvPr/>
+        </p:nvSpPr>
+        <p:spPr>
+          <a:xfrm>
+            <a:off x="4904293" y="1663104"/>
+            <a:ext cx="777045" cy="276999"/>
+          </a:xfrm>
+          <a:prstGeom prst="rect">
+            <a:avLst/>
+          </a:prstGeom>
+          <a:solidFill>
+            <a:schemeClr val="bg1"/>
+          </a:solidFill>
+        </p:spPr>
+        <p:txBody>
+          <a:bodyPr wrap="square" rtlCol="0">
+            <a:spAutoFit/>
+          </a:bodyPr>
+          <a:lstStyle/>
+          <a:p>
+            <a:r>
+              <a:rPr lang="en-US" sz="1200" dirty="0"/>
+              <a:t>Outputs</a:t>
+            </a:r>
+          </a:p>
+        </p:txBody>
+      </p:sp>
+      <p:sp>
+        <p:nvSpPr>
+          <p:cNvPr id="80" name="Right Bracket 79">
+            <a:extLst>
+              <a:ext uri="{FF2B5EF4-FFF2-40B4-BE49-F238E27FC236}">
+                <a16:creationId xmlns:a16="http://schemas.microsoft.com/office/drawing/2014/main" id="{C13E1D92-7747-0BA9-65E1-87753FFC5E9D}"/>
+              </a:ext>
+            </a:extLst>
+          </p:cNvPr>
+          <p:cNvSpPr/>
+          <p:nvPr/>
+        </p:nvSpPr>
+        <p:spPr>
+          <a:xfrm>
+            <a:off x="5217981" y="3497117"/>
+            <a:ext cx="1707920" cy="1004095"/>
+          </a:xfrm>
+          <a:prstGeom prst="rightBracket">
+            <a:avLst/>
+          </a:prstGeom>
+          <a:ln>
+            <a:solidFill>
+              <a:schemeClr val="tx1"/>
+            </a:solidFill>
+          </a:ln>
+        </p:spPr>
+        <p:style>
+          <a:lnRef idx="2">
+            <a:schemeClr val="accent1"/>
+          </a:lnRef>
+          <a:fillRef idx="0">
+            <a:schemeClr val="accent1"/>
+          </a:fillRef>
+          <a:effectRef idx="1">
+            <a:schemeClr val="accent1"/>
+          </a:effectRef>
+          <a:fontRef idx="minor">
+            <a:schemeClr val="tx1"/>
+          </a:fontRef>
+        </p:style>
+        <p:txBody>
+          <a:bodyPr rtlCol="0" anchor="ctr"/>
+          <a:lstStyle/>
+          <a:p>
+            <a:pPr algn="ctr"/>
+            <a:endParaRPr lang="en-US"/>
+          </a:p>
+        </p:txBody>
+      </p:sp>
+      <p:sp>
+        <p:nvSpPr>
+          <p:cNvPr id="81" name="TextBox 80">
+            <a:extLst>
+              <a:ext uri="{FF2B5EF4-FFF2-40B4-BE49-F238E27FC236}">
+                <a16:creationId xmlns:a16="http://schemas.microsoft.com/office/drawing/2014/main" id="{1272947D-C20F-CB69-4692-77334E616920}"/>
+              </a:ext>
+            </a:extLst>
+          </p:cNvPr>
+          <p:cNvSpPr txBox="1"/>
+          <p:nvPr/>
+        </p:nvSpPr>
+        <p:spPr>
+          <a:xfrm>
+            <a:off x="6726725" y="2411834"/>
+            <a:ext cx="452673" cy="261610"/>
+          </a:xfrm>
+          <a:prstGeom prst="rect">
+            <a:avLst/>
+          </a:prstGeom>
+          <a:solidFill>
+            <a:schemeClr val="bg1"/>
+          </a:solidFill>
+        </p:spPr>
+        <p:txBody>
+          <a:bodyPr wrap="square" rtlCol="0">
+            <a:spAutoFit/>
+          </a:bodyPr>
+          <a:lstStyle/>
+          <a:p>
+            <a:r>
+              <a:rPr lang="en-US" sz="1100" dirty="0"/>
+              <a:t>Add</a:t>
+            </a:r>
+          </a:p>
+        </p:txBody>
+      </p:sp>
+      <p:sp>
+        <p:nvSpPr>
+          <p:cNvPr id="82" name="TextBox 81">
+            <a:extLst>
+              <a:ext uri="{FF2B5EF4-FFF2-40B4-BE49-F238E27FC236}">
+                <a16:creationId xmlns:a16="http://schemas.microsoft.com/office/drawing/2014/main" id="{8929A274-3982-A125-5890-40CF49FB0C63}"/>
+              </a:ext>
+            </a:extLst>
+          </p:cNvPr>
+          <p:cNvSpPr txBox="1"/>
+          <p:nvPr/>
+        </p:nvSpPr>
+        <p:spPr>
+          <a:xfrm>
+            <a:off x="6726724" y="3838730"/>
+            <a:ext cx="452673" cy="261610"/>
+          </a:xfrm>
+          <a:prstGeom prst="rect">
+            <a:avLst/>
+          </a:prstGeom>
+          <a:solidFill>
+            <a:schemeClr val="bg1"/>
+          </a:solidFill>
+        </p:spPr>
+        <p:txBody>
+          <a:bodyPr wrap="square" rtlCol="0">
+            <a:spAutoFit/>
+          </a:bodyPr>
+          <a:lstStyle/>
+          <a:p>
+            <a:r>
+              <a:rPr lang="en-US" sz="1100" dirty="0"/>
+              <a:t>Add</a:t>
+            </a:r>
+          </a:p>
+        </p:txBody>
+      </p:sp>
+      <p:cxnSp>
+        <p:nvCxnSpPr>
+          <p:cNvPr id="85" name="Straight Arrow Connector 84">
+            <a:extLst>
+              <a:ext uri="{FF2B5EF4-FFF2-40B4-BE49-F238E27FC236}">
+                <a16:creationId xmlns:a16="http://schemas.microsoft.com/office/drawing/2014/main" id="{96E4453D-5D51-62D2-6036-CE96CD41E06A}"/>
+              </a:ext>
+            </a:extLst>
+          </p:cNvPr>
+          <p:cNvCxnSpPr>
+            <a:cxnSpLocks/>
+          </p:cNvCxnSpPr>
+          <p:nvPr/>
+        </p:nvCxnSpPr>
+        <p:spPr>
+          <a:xfrm flipV="1">
+            <a:off x="5217981" y="2027976"/>
+            <a:ext cx="0" cy="383858"/>
+          </a:xfrm>
+          <a:prstGeom prst="straightConnector1">
+            <a:avLst/>
+          </a:prstGeom>
+          <a:ln>
+            <a:solidFill>
+              <a:schemeClr val="tx1"/>
+            </a:solidFill>
+            <a:tailEnd type="triangle"/>
+          </a:ln>
+        </p:spPr>
+        <p:style>
+          <a:lnRef idx="2">
+            <a:schemeClr val="accent1"/>
+          </a:lnRef>
+          <a:fillRef idx="0">
+            <a:schemeClr val="accent1"/>
+          </a:fillRef>
+          <a:effectRef idx="1">
+            <a:schemeClr val="accent1"/>
+          </a:effectRef>
+          <a:fontRef idx="minor">
+            <a:schemeClr val="tx1"/>
+          </a:fontRef>
+        </p:style>
+      </p:cxnSp>
+    </p:spTree>
+    <p:extLst>
+      <p:ext uri="{BB962C8B-B14F-4D97-AF65-F5344CB8AC3E}">
+        <p14:creationId xmlns:p14="http://schemas.microsoft.com/office/powerpoint/2010/main" val="2631324223"/>
       </p:ext>
     </p:extLst>
   </p:cSld>
